--- a/ProjectDocs/TemperaturProjekt.pptx
+++ b/ProjectDocs/TemperaturProjekt.pptx
@@ -11,8 +11,9 @@
     <p:sldId id="260" r:id="rId5"/>
     <p:sldId id="261" r:id="rId6"/>
     <p:sldId id="262" r:id="rId7"/>
-    <p:sldId id="263" r:id="rId8"/>
-    <p:sldId id="264" r:id="rId9"/>
+    <p:sldId id="265" r:id="rId8"/>
+    <p:sldId id="263" r:id="rId9"/>
+    <p:sldId id="264" r:id="rId10"/>
   </p:sldIdLst>
   <p:sldSz cx="12192000" cy="6858000"/>
   <p:notesSz cx="6858000" cy="9144000"/>
@@ -111,6 +112,11 @@
       </a:defRPr>
     </a:lvl9pPr>
   </p:defaultTextStyle>
+  <p:extLst>
+    <p:ext uri="{EFAFB233-063F-42B5-8137-9DF3F51BA10A}">
+      <p15:sldGuideLst xmlns:p15="http://schemas.microsoft.com/office/powerpoint/2012/main"/>
+    </p:ext>
+  </p:extLst>
 </p:presentation>
 </file>
 
@@ -3864,7 +3870,7 @@
         <p:spPr>
           <a:xfrm>
             <a:off x="5805714" y="3217120"/>
-            <a:ext cx="6589486" cy="4801314"/>
+            <a:ext cx="6589486" cy="4247317"/>
           </a:xfrm>
           <a:prstGeom prst="rect">
             <a:avLst/>
@@ -3956,12 +3962,20 @@
               <a:buChar char="•"/>
             </a:pPr>
             <a:r>
+              <a:rPr lang="da-DK" dirty="0">
+                <a:solidFill>
+                  <a:schemeClr val="bg1"/>
+                </a:solidFill>
+              </a:rPr>
+              <a:t>Indbygget </a:t>
+            </a:r>
+            <a:r>
               <a:rPr lang="da-DK" dirty="0" err="1">
                 <a:solidFill>
                   <a:schemeClr val="bg1"/>
                 </a:solidFill>
               </a:rPr>
-              <a:t>Webserver</a:t>
+              <a:t>Sdkort</a:t>
             </a:r>
             <a:r>
               <a:rPr lang="da-DK" dirty="0">
@@ -3969,7 +3983,45 @@
                   <a:schemeClr val="bg1"/>
                 </a:solidFill>
               </a:rPr>
-              <a:t> til visning af temperaturdata</a:t>
+              <a:t> ”</a:t>
+            </a:r>
+            <a:r>
+              <a:rPr lang="da-DK" dirty="0" err="1">
+                <a:solidFill>
+                  <a:schemeClr val="bg1"/>
+                </a:solidFill>
+              </a:rPr>
+              <a:t>mount</a:t>
+            </a:r>
+            <a:r>
+              <a:rPr lang="da-DK" dirty="0">
+                <a:solidFill>
+                  <a:schemeClr val="bg1"/>
+                </a:solidFill>
+              </a:rPr>
+              <a:t>”</a:t>
+            </a:r>
+          </a:p>
+          <a:p>
+            <a:pPr>
+              <a:buFont typeface="Arial" panose="020B0604020202020204" pitchFamily="34" charset="0"/>
+              <a:buChar char="•"/>
+            </a:pPr>
+            <a:r>
+              <a:rPr lang="da-DK" b="1" dirty="0">
+                <a:solidFill>
+                  <a:schemeClr val="bg1"/>
+                </a:solidFill>
+              </a:rPr>
+              <a:t>DS18B20 temperatursensor:</a:t>
+            </a:r>
+            <a:r>
+              <a:rPr lang="da-DK" dirty="0">
+                <a:solidFill>
+                  <a:schemeClr val="bg1"/>
+                </a:solidFill>
+              </a:rPr>
+              <a:t> </a:t>
             </a:r>
           </a:p>
           <a:p>
@@ -3983,7 +4035,7 @@
                   <a:schemeClr val="bg1"/>
                 </a:solidFill>
               </a:rPr>
-              <a:t>SPI-bus til kommunikation med temperatursensoren</a:t>
+              <a:t>Måler omgivelsestemperaturen</a:t>
             </a:r>
           </a:p>
           <a:p>
@@ -3997,89 +4049,7 @@
                   <a:schemeClr val="bg1"/>
                 </a:solidFill>
               </a:rPr>
-              <a:t>Indbygget </a:t>
-            </a:r>
-            <a:r>
-              <a:rPr lang="da-DK" dirty="0" err="1">
-                <a:solidFill>
-                  <a:schemeClr val="bg1"/>
-                </a:solidFill>
-              </a:rPr>
-              <a:t>Sdkort</a:t>
-            </a:r>
-            <a:r>
-              <a:rPr lang="da-DK" dirty="0">
-                <a:solidFill>
-                  <a:schemeClr val="bg1"/>
-                </a:solidFill>
-              </a:rPr>
-              <a:t> ”</a:t>
-            </a:r>
-            <a:r>
-              <a:rPr lang="da-DK" dirty="0" err="1">
-                <a:solidFill>
-                  <a:schemeClr val="bg1"/>
-                </a:solidFill>
-              </a:rPr>
-              <a:t>mount</a:t>
-            </a:r>
-            <a:r>
-              <a:rPr lang="da-DK" dirty="0">
-                <a:solidFill>
-                  <a:schemeClr val="bg1"/>
-                </a:solidFill>
-              </a:rPr>
-              <a:t>”</a:t>
-            </a:r>
-          </a:p>
-          <a:p>
-            <a:pPr>
-              <a:buFont typeface="Arial" panose="020B0604020202020204" pitchFamily="34" charset="0"/>
-              <a:buChar char="•"/>
-            </a:pPr>
-            <a:r>
-              <a:rPr lang="da-DK" b="1" dirty="0">
-                <a:solidFill>
-                  <a:schemeClr val="bg1"/>
-                </a:solidFill>
-              </a:rPr>
-              <a:t>DS18B20 temperatursensor:</a:t>
-            </a:r>
-            <a:r>
-              <a:rPr lang="da-DK" dirty="0">
-                <a:solidFill>
-                  <a:schemeClr val="bg1"/>
-                </a:solidFill>
-              </a:rPr>
-              <a:t> </a:t>
-            </a:r>
-          </a:p>
-          <a:p>
-            <a:pPr marL="742950" lvl="1" indent="-285750">
-              <a:buFont typeface="Arial" panose="020B0604020202020204" pitchFamily="34" charset="0"/>
-              <a:buChar char="•"/>
-            </a:pPr>
-            <a:r>
-              <a:rPr lang="da-DK" dirty="0">
-                <a:solidFill>
-                  <a:schemeClr val="bg1"/>
-                </a:solidFill>
-              </a:rPr>
-              <a:t>Måler omgivelsestemperaturen</a:t>
-            </a:r>
-          </a:p>
-          <a:p>
-            <a:pPr marL="742950" lvl="1" indent="-285750">
-              <a:buFont typeface="Arial" panose="020B0604020202020204" pitchFamily="34" charset="0"/>
-              <a:buChar char="•"/>
-            </a:pPr>
-            <a:r>
-              <a:rPr lang="da-DK" dirty="0">
-                <a:solidFill>
-                  <a:schemeClr val="bg1"/>
-                </a:solidFill>
-              </a:rPr>
-              <a:t>Tilsluttet ESP32 via SPI-bussen</a:t>
+              <a:t>Tilsluttet ESP32 </a:t>
             </a:r>
           </a:p>
           <a:p>
@@ -4422,7 +4392,7 @@
         <p:spPr bwMode="auto">
           <a:xfrm>
             <a:off x="377371" y="1578060"/>
-            <a:ext cx="9967857" cy="3693319"/>
+            <a:ext cx="10562315" cy="3693319"/>
           </a:xfrm>
           <a:prstGeom prst="rect">
             <a:avLst/>
@@ -4855,7 +4825,31 @@
                 </a:solidFill>
                 <a:effectLst/>
               </a:rPr>
-              <a:t> Sletter CSV-filen med temperaturdata og opretter en ny tom fil.</a:t>
+              <a:t> Sletter CSV-filen (på </a:t>
+            </a:r>
+            <a:r>
+              <a:rPr kumimoji="0" lang="da-DK" altLang="da-DK" b="0" i="0" u="none" strike="noStrike" cap="none" normalizeH="0" baseline="0" dirty="0" err="1">
+                <a:ln>
+                  <a:noFill/>
+                </a:ln>
+                <a:solidFill>
+                  <a:schemeClr val="bg1"/>
+                </a:solidFill>
+                <a:effectLst/>
+              </a:rPr>
+              <a:t>sdkortet</a:t>
+            </a:r>
+            <a:r>
+              <a:rPr kumimoji="0" lang="da-DK" altLang="da-DK" b="0" i="0" u="none" strike="noStrike" cap="none" normalizeH="0" baseline="0" dirty="0">
+                <a:ln>
+                  <a:noFill/>
+                </a:ln>
+                <a:solidFill>
+                  <a:schemeClr val="bg1"/>
+                </a:solidFill>
+                <a:effectLst/>
+              </a:rPr>
+              <a:t>) med temperaturdata og opretter en ny tom fil.</a:t>
             </a:r>
           </a:p>
           <a:p>
@@ -4891,7 +4885,7 @@
                 </a:solidFill>
                 <a:effectLst/>
               </a:rPr>
-              <a:t> Sletter Wi-Fi-SSID, adgangskode, statisk IP, gateway og DNS</a:t>
+              <a:t> Sletter Wi-Fi-SSID, adgangskode, IP, gateway og DNS</a:t>
             </a:r>
             <a:br>
               <a:rPr kumimoji="0" lang="da-DK" altLang="da-DK" b="0" i="0" u="none" strike="noStrike" cap="none" normalizeH="0" baseline="0" dirty="0">
@@ -5621,45 +5615,6 @@
           </a:p>
         </p:txBody>
       </p:sp>
-      <p:sp>
-        <p:nvSpPr>
-          <p:cNvPr id="6" name="Tekstfelt 5">
-            <a:extLst>
-              <a:ext uri="{FF2B5EF4-FFF2-40B4-BE49-F238E27FC236}">
-                <a16:creationId xmlns:a16="http://schemas.microsoft.com/office/drawing/2014/main" id="{A74CF05E-0C30-49C3-968C-25AC594DE188}"/>
-              </a:ext>
-            </a:extLst>
-          </p:cNvPr>
-          <p:cNvSpPr txBox="1"/>
-          <p:nvPr/>
-        </p:nvSpPr>
-        <p:spPr>
-          <a:xfrm>
-            <a:off x="3883025" y="4114284"/>
-            <a:ext cx="7816850" cy="369332"/>
-          </a:xfrm>
-          <a:prstGeom prst="rect">
-            <a:avLst/>
-          </a:prstGeom>
-          <a:noFill/>
-        </p:spPr>
-        <p:txBody>
-          <a:bodyPr wrap="square">
-            <a:spAutoFit/>
-          </a:bodyPr>
-          <a:lstStyle/>
-          <a:p>
-            <a:r>
-              <a:rPr lang="da-DK" b="1" dirty="0">
-                <a:solidFill>
-                  <a:schemeClr val="bg1"/>
-                </a:solidFill>
-              </a:rPr>
-              <a:t>Anvendte biblioteker</a:t>
-            </a:r>
-          </a:p>
-        </p:txBody>
-      </p:sp>
     </p:spTree>
     <p:extLst>
       <p:ext uri="{BB962C8B-B14F-4D97-AF65-F5344CB8AC3E}">
@@ -6202,6 +6157,274 @@
 </file>
 
 <file path=ppt/slides/slide7.xml><?xml version="1.0" encoding="utf-8"?>
+<p:sld xmlns:a="http://schemas.openxmlformats.org/drawingml/2006/main" xmlns:r="http://schemas.openxmlformats.org/officeDocument/2006/relationships" xmlns:p="http://schemas.openxmlformats.org/presentationml/2006/main">
+  <p:cSld>
+    <p:spTree>
+      <p:nvGrpSpPr>
+        <p:cNvPr id="1" name=""/>
+        <p:cNvGrpSpPr/>
+        <p:nvPr/>
+      </p:nvGrpSpPr>
+      <p:grpSpPr>
+        <a:xfrm>
+          <a:off x="0" y="0"/>
+          <a:ext cx="0" cy="0"/>
+          <a:chOff x="0" y="0"/>
+          <a:chExt cx="0" cy="0"/>
+        </a:xfrm>
+      </p:grpSpPr>
+      <p:sp>
+        <p:nvSpPr>
+          <p:cNvPr id="4" name="Rektangel 3">
+            <a:extLst>
+              <a:ext uri="{FF2B5EF4-FFF2-40B4-BE49-F238E27FC236}">
+                <a16:creationId xmlns:a16="http://schemas.microsoft.com/office/drawing/2014/main" id="{6C1A5453-16C3-2F75-B217-3DAB3596458D}"/>
+              </a:ext>
+            </a:extLst>
+          </p:cNvPr>
+          <p:cNvSpPr/>
+          <p:nvPr/>
+        </p:nvSpPr>
+        <p:spPr>
+          <a:xfrm rot="10800000" flipV="1">
+            <a:off x="0" y="0"/>
+            <a:ext cx="12192000" cy="6858000"/>
+          </a:xfrm>
+          <a:prstGeom prst="rect">
+            <a:avLst/>
+          </a:prstGeom>
+          <a:solidFill>
+            <a:schemeClr val="accent1"/>
+          </a:solidFill>
+          <a:ln>
+            <a:noFill/>
+          </a:ln>
+        </p:spPr>
+        <p:style>
+          <a:lnRef idx="0">
+            <a:scrgbClr r="0" g="0" b="0"/>
+          </a:lnRef>
+          <a:fillRef idx="0">
+            <a:scrgbClr r="0" g="0" b="0"/>
+          </a:fillRef>
+          <a:effectRef idx="0">
+            <a:scrgbClr r="0" g="0" b="0"/>
+          </a:effectRef>
+          <a:fontRef idx="minor">
+            <a:schemeClr val="lt1"/>
+          </a:fontRef>
+        </p:style>
+        <p:txBody>
+          <a:bodyPr rtlCol="0" anchor="ctr"/>
+          <a:lstStyle/>
+          <a:p>
+            <a:pPr algn="ctr"/>
+            <a:endParaRPr lang="da-DK"/>
+          </a:p>
+        </p:txBody>
+      </p:sp>
+      <p:sp>
+        <p:nvSpPr>
+          <p:cNvPr id="5" name="Kombinationstegning: figur 4">
+            <a:extLst>
+              <a:ext uri="{FF2B5EF4-FFF2-40B4-BE49-F238E27FC236}">
+                <a16:creationId xmlns:a16="http://schemas.microsoft.com/office/drawing/2014/main" id="{1E811EB0-12EE-365C-25E3-7DCEBC4B0158}"/>
+              </a:ext>
+            </a:extLst>
+          </p:cNvPr>
+          <p:cNvSpPr/>
+          <p:nvPr/>
+        </p:nvSpPr>
+        <p:spPr>
+          <a:xfrm rot="12345050" flipV="1">
+            <a:off x="3476866" y="-5911524"/>
+            <a:ext cx="3278429" cy="16736222"/>
+          </a:xfrm>
+          <a:custGeom>
+            <a:avLst/>
+            <a:gdLst>
+              <a:gd name="connsiteX0" fmla="*/ 0 w 8512220"/>
+              <a:gd name="connsiteY0" fmla="*/ 0 h 7464490"/>
+              <a:gd name="connsiteX1" fmla="*/ 2390217 w 8512220"/>
+              <a:gd name="connsiteY1" fmla="*/ 0 h 7464490"/>
+              <a:gd name="connsiteX2" fmla="*/ 8512220 w 8512220"/>
+              <a:gd name="connsiteY2" fmla="*/ 7464490 h 7464490"/>
+              <a:gd name="connsiteX3" fmla="*/ 4513785 w 8512220"/>
+              <a:gd name="connsiteY3" fmla="*/ 7464490 h 7464490"/>
+              <a:gd name="connsiteX4" fmla="*/ 0 w 8512220"/>
+              <a:gd name="connsiteY4" fmla="*/ 1960884 h 7464490"/>
+            </a:gdLst>
+            <a:ahLst/>
+            <a:cxnLst>
+              <a:cxn ang="0">
+                <a:pos x="connsiteX0" y="connsiteY0"/>
+              </a:cxn>
+              <a:cxn ang="0">
+                <a:pos x="connsiteX1" y="connsiteY1"/>
+              </a:cxn>
+              <a:cxn ang="0">
+                <a:pos x="connsiteX2" y="connsiteY2"/>
+              </a:cxn>
+              <a:cxn ang="0">
+                <a:pos x="connsiteX3" y="connsiteY3"/>
+              </a:cxn>
+              <a:cxn ang="0">
+                <a:pos x="connsiteX4" y="connsiteY4"/>
+              </a:cxn>
+            </a:cxnLst>
+            <a:rect l="l" t="t" r="r" b="b"/>
+            <a:pathLst>
+              <a:path w="8512220" h="7464490">
+                <a:moveTo>
+                  <a:pt x="0" y="0"/>
+                </a:moveTo>
+                <a:lnTo>
+                  <a:pt x="2390217" y="0"/>
+                </a:lnTo>
+                <a:lnTo>
+                  <a:pt x="8512220" y="7464490"/>
+                </a:lnTo>
+                <a:lnTo>
+                  <a:pt x="4513785" y="7464490"/>
+                </a:lnTo>
+                <a:lnTo>
+                  <a:pt x="0" y="1960884"/>
+                </a:lnTo>
+                <a:close/>
+              </a:path>
+            </a:pathLst>
+          </a:custGeom>
+          <a:solidFill>
+            <a:srgbClr val="0F9ED5">
+              <a:alpha val="25098"/>
+            </a:srgbClr>
+          </a:solidFill>
+          <a:ln>
+            <a:noFill/>
+          </a:ln>
+        </p:spPr>
+        <p:style>
+          <a:lnRef idx="0">
+            <a:scrgbClr r="0" g="0" b="0"/>
+          </a:lnRef>
+          <a:fillRef idx="0">
+            <a:scrgbClr r="0" g="0" b="0"/>
+          </a:fillRef>
+          <a:effectRef idx="0">
+            <a:scrgbClr r="0" g="0" b="0"/>
+          </a:effectRef>
+          <a:fontRef idx="minor">
+            <a:schemeClr val="lt1"/>
+          </a:fontRef>
+        </p:style>
+        <p:txBody>
+          <a:bodyPr wrap="square" rtlCol="0" anchor="ctr">
+            <a:noAutofit/>
+          </a:bodyPr>
+          <a:lstStyle/>
+          <a:p>
+            <a:pPr algn="ctr"/>
+            <a:endParaRPr lang="da-DK" dirty="0"/>
+          </a:p>
+        </p:txBody>
+      </p:sp>
+      <p:sp>
+        <p:nvSpPr>
+          <p:cNvPr id="8" name="Tekstfelt 7">
+            <a:extLst>
+              <a:ext uri="{FF2B5EF4-FFF2-40B4-BE49-F238E27FC236}">
+                <a16:creationId xmlns:a16="http://schemas.microsoft.com/office/drawing/2014/main" id="{4DAC6FBA-B13F-D926-5626-DD46FB286373}"/>
+              </a:ext>
+            </a:extLst>
+          </p:cNvPr>
+          <p:cNvSpPr txBox="1"/>
+          <p:nvPr/>
+        </p:nvSpPr>
+        <p:spPr>
+          <a:xfrm>
+            <a:off x="224383" y="203201"/>
+            <a:ext cx="5288088" cy="707886"/>
+          </a:xfrm>
+          <a:prstGeom prst="rect">
+            <a:avLst/>
+          </a:prstGeom>
+          <a:noFill/>
+        </p:spPr>
+        <p:txBody>
+          <a:bodyPr wrap="square" rtlCol="0">
+            <a:spAutoFit/>
+          </a:bodyPr>
+          <a:lstStyle/>
+          <a:p>
+            <a:r>
+              <a:rPr lang="da-DK" sz="4000" b="1" dirty="0" err="1">
+                <a:solidFill>
+                  <a:schemeClr val="bg1"/>
+                </a:solidFill>
+              </a:rPr>
+              <a:t>Wifi</a:t>
+            </a:r>
+            <a:r>
+              <a:rPr lang="da-DK" sz="4000" b="1" dirty="0">
+                <a:solidFill>
+                  <a:schemeClr val="bg1"/>
+                </a:solidFill>
+              </a:rPr>
+              <a:t>-Manager</a:t>
+            </a:r>
+          </a:p>
+        </p:txBody>
+      </p:sp>
+      <p:pic>
+        <p:nvPicPr>
+          <p:cNvPr id="3" name="Billede 2" descr="Et billede, der indeholder tekst, skærmbillede, software, nummer/tal&#10;&#10;Automatisk genereret beskrivelse">
+            <a:extLst>
+              <a:ext uri="{FF2B5EF4-FFF2-40B4-BE49-F238E27FC236}">
+                <a16:creationId xmlns:a16="http://schemas.microsoft.com/office/drawing/2014/main" id="{48853B1F-C93F-495C-4EC0-62546864B62E}"/>
+              </a:ext>
+            </a:extLst>
+          </p:cNvPr>
+          <p:cNvPicPr>
+            <a:picLocks noChangeAspect="1"/>
+          </p:cNvPicPr>
+          <p:nvPr/>
+        </p:nvPicPr>
+        <p:blipFill>
+          <a:blip r:embed="rId2">
+            <a:extLst>
+              <a:ext uri="{28A0092B-C50C-407E-A947-70E740481C1C}">
+                <a14:useLocalDpi xmlns:a14="http://schemas.microsoft.com/office/drawing/2010/main" val="0"/>
+              </a:ext>
+            </a:extLst>
+          </a:blip>
+          <a:stretch>
+            <a:fillRect/>
+          </a:stretch>
+        </p:blipFill>
+        <p:spPr>
+          <a:xfrm>
+            <a:off x="1169162" y="1028160"/>
+            <a:ext cx="9853675" cy="5512187"/>
+          </a:xfrm>
+          <a:prstGeom prst="rect">
+            <a:avLst/>
+          </a:prstGeom>
+        </p:spPr>
+      </p:pic>
+    </p:spTree>
+    <p:extLst>
+      <p:ext uri="{BB962C8B-B14F-4D97-AF65-F5344CB8AC3E}">
+        <p14:creationId xmlns:p14="http://schemas.microsoft.com/office/powerpoint/2010/main" val="1637178365"/>
+      </p:ext>
+    </p:extLst>
+  </p:cSld>
+  <p:clrMapOvr>
+    <a:masterClrMapping/>
+  </p:clrMapOvr>
+</p:sld>
+</file>
+
+<file path=ppt/slides/slide8.xml><?xml version="1.0" encoding="utf-8"?>
 <p:sld xmlns:a="http://schemas.openxmlformats.org/drawingml/2006/main" xmlns:r="http://schemas.openxmlformats.org/officeDocument/2006/relationships" xmlns:p="http://schemas.openxmlformats.org/presentationml/2006/main">
   <p:cSld>
     <p:spTree>
@@ -6987,7 +7210,7 @@
 </p:sld>
 </file>
 
-<file path=ppt/slides/slide8.xml><?xml version="1.0" encoding="utf-8"?>
+<file path=ppt/slides/slide9.xml><?xml version="1.0" encoding="utf-8"?>
 <p:sld xmlns:a="http://schemas.openxmlformats.org/drawingml/2006/main" xmlns:r="http://schemas.openxmlformats.org/officeDocument/2006/relationships" xmlns:p="http://schemas.openxmlformats.org/presentationml/2006/main">
   <p:cSld>
     <p:spTree>
